--- a/04_ML/机器学习基础算法_1.pptx
+++ b/04_ML/机器学习基础算法_1.pptx
@@ -280,7 +280,7 @@
           <a:p>
             <a:fld id="{C63BFE1B-11C2-447F-85F4-EFA846A2E367}" type="datetimeFigureOut">
               <a:rPr lang="zh-CN" altLang="en-US" smtClean="0"/>
-              <a:t>2019/1/10</a:t>
+              <a:t>2019/1/11</a:t>
             </a:fld>
             <a:endParaRPr lang="zh-CN" altLang="en-US"/>
           </a:p>
@@ -453,7 +453,7 @@
           <a:p>
             <a:fld id="{C63BFE1B-11C2-447F-85F4-EFA846A2E367}" type="datetimeFigureOut">
               <a:rPr lang="zh-CN" altLang="en-US" smtClean="0"/>
-              <a:t>2019/1/10</a:t>
+              <a:t>2019/1/11</a:t>
             </a:fld>
             <a:endParaRPr lang="zh-CN" altLang="en-US"/>
           </a:p>
@@ -636,7 +636,7 @@
           <a:p>
             <a:fld id="{C63BFE1B-11C2-447F-85F4-EFA846A2E367}" type="datetimeFigureOut">
               <a:rPr lang="zh-CN" altLang="en-US" smtClean="0"/>
-              <a:t>2019/1/10</a:t>
+              <a:t>2019/1/11</a:t>
             </a:fld>
             <a:endParaRPr lang="zh-CN" altLang="en-US"/>
           </a:p>
@@ -809,7 +809,7 @@
           <a:p>
             <a:fld id="{C63BFE1B-11C2-447F-85F4-EFA846A2E367}" type="datetimeFigureOut">
               <a:rPr lang="zh-CN" altLang="en-US" smtClean="0"/>
-              <a:t>2019/1/10</a:t>
+              <a:t>2019/1/11</a:t>
             </a:fld>
             <a:endParaRPr lang="zh-CN" altLang="en-US"/>
           </a:p>
@@ -1058,7 +1058,7 @@
           <a:p>
             <a:fld id="{C63BFE1B-11C2-447F-85F4-EFA846A2E367}" type="datetimeFigureOut">
               <a:rPr lang="zh-CN" altLang="en-US" smtClean="0"/>
-              <a:t>2019/1/10</a:t>
+              <a:t>2019/1/11</a:t>
             </a:fld>
             <a:endParaRPr lang="zh-CN" altLang="en-US"/>
           </a:p>
@@ -1293,7 +1293,7 @@
           <a:p>
             <a:fld id="{C63BFE1B-11C2-447F-85F4-EFA846A2E367}" type="datetimeFigureOut">
               <a:rPr lang="zh-CN" altLang="en-US" smtClean="0"/>
-              <a:t>2019/1/10</a:t>
+              <a:t>2019/1/11</a:t>
             </a:fld>
             <a:endParaRPr lang="zh-CN" altLang="en-US"/>
           </a:p>
@@ -1663,7 +1663,7 @@
           <a:p>
             <a:fld id="{C63BFE1B-11C2-447F-85F4-EFA846A2E367}" type="datetimeFigureOut">
               <a:rPr lang="zh-CN" altLang="en-US" smtClean="0"/>
-              <a:t>2019/1/10</a:t>
+              <a:t>2019/1/11</a:t>
             </a:fld>
             <a:endParaRPr lang="zh-CN" altLang="en-US"/>
           </a:p>
@@ -1784,7 +1784,7 @@
           <a:p>
             <a:fld id="{C63BFE1B-11C2-447F-85F4-EFA846A2E367}" type="datetimeFigureOut">
               <a:rPr lang="zh-CN" altLang="en-US" smtClean="0"/>
-              <a:t>2019/1/10</a:t>
+              <a:t>2019/1/11</a:t>
             </a:fld>
             <a:endParaRPr lang="zh-CN" altLang="en-US"/>
           </a:p>
@@ -1882,7 +1882,7 @@
           <a:p>
             <a:fld id="{C63BFE1B-11C2-447F-85F4-EFA846A2E367}" type="datetimeFigureOut">
               <a:rPr lang="zh-CN" altLang="en-US" smtClean="0"/>
-              <a:t>2019/1/10</a:t>
+              <a:t>2019/1/11</a:t>
             </a:fld>
             <a:endParaRPr lang="zh-CN" altLang="en-US"/>
           </a:p>
@@ -2162,7 +2162,7 @@
           <a:p>
             <a:fld id="{C63BFE1B-11C2-447F-85F4-EFA846A2E367}" type="datetimeFigureOut">
               <a:rPr lang="zh-CN" altLang="en-US" smtClean="0"/>
-              <a:t>2019/1/10</a:t>
+              <a:t>2019/1/11</a:t>
             </a:fld>
             <a:endParaRPr lang="zh-CN" altLang="en-US"/>
           </a:p>
@@ -2418,7 +2418,7 @@
           <a:p>
             <a:fld id="{C63BFE1B-11C2-447F-85F4-EFA846A2E367}" type="datetimeFigureOut">
               <a:rPr lang="zh-CN" altLang="en-US" smtClean="0"/>
-              <a:t>2019/1/10</a:t>
+              <a:t>2019/1/11</a:t>
             </a:fld>
             <a:endParaRPr lang="zh-CN" altLang="en-US"/>
           </a:p>
@@ -2634,7 +2634,7 @@
           <a:p>
             <a:fld id="{C63BFE1B-11C2-447F-85F4-EFA846A2E367}" type="datetimeFigureOut">
               <a:rPr lang="zh-CN" altLang="en-US" smtClean="0"/>
-              <a:t>2019/1/10</a:t>
+              <a:t>2019/1/11</a:t>
             </a:fld>
             <a:endParaRPr lang="zh-CN" altLang="en-US"/>
           </a:p>
@@ -3943,8 +3943,8 @@
           </a:p>
         </p:txBody>
       </p:sp>
-      <mc:AlternateContent xmlns:mc="http://schemas.openxmlformats.org/markup-compatibility/2006">
-        <mc:Choice xmlns:a14="http://schemas.microsoft.com/office/drawing/2010/main" Requires="a14">
+      <mc:AlternateContent xmlns:mc="http://schemas.openxmlformats.org/markup-compatibility/2006" xmlns:a14="http://schemas.microsoft.com/office/drawing/2010/main">
+        <mc:Choice Requires="a14">
           <p:sp>
             <p:nvSpPr>
               <p:cNvPr id="3" name="内容占位符 2"/>
@@ -4378,7 +4378,7 @@
             </p:txBody>
           </p:sp>
         </mc:Choice>
-        <mc:Fallback>
+        <mc:Fallback xmlns="">
           <p:sp>
             <p:nvSpPr>
               <p:cNvPr id="3" name="内容占位符 2"/>
@@ -4474,8 +4474,8 @@
           </a:p>
         </p:txBody>
       </p:sp>
-      <mc:AlternateContent xmlns:mc="http://schemas.openxmlformats.org/markup-compatibility/2006">
-        <mc:Choice xmlns:a14="http://schemas.microsoft.com/office/drawing/2010/main" Requires="a14">
+      <mc:AlternateContent xmlns:mc="http://schemas.openxmlformats.org/markup-compatibility/2006" xmlns:a14="http://schemas.microsoft.com/office/drawing/2010/main">
+        <mc:Choice Requires="a14">
           <p:sp>
             <p:nvSpPr>
               <p:cNvPr id="3" name="内容占位符 2"/>
@@ -4764,15 +4764,7 @@
                 </a:pPr>
                 <a:r>
                   <a:rPr lang="zh-CN" altLang="en-US" dirty="0" smtClean="0"/>
-                  <a:t>试图学得一个</a:t>
-                </a:r>
-                <a:r>
-                  <a:rPr lang="zh-CN" altLang="en-US" dirty="0" smtClean="0"/>
-                  <a:t>线性模型</a:t>
-                </a:r>
-                <a:r>
-                  <a:rPr lang="zh-CN" altLang="en-US" dirty="0" smtClean="0"/>
-                  <a:t>，</a:t>
+                  <a:t>试图学得一个线性模型，</a:t>
                 </a:r>
                 <a:endParaRPr lang="en-US" altLang="zh-CN" dirty="0" smtClean="0"/>
               </a:p>
@@ -4793,11 +4785,7 @@
                 </a:r>
                 <a:r>
                   <a:rPr lang="zh-CN" altLang="en-US" dirty="0" smtClean="0"/>
-                  <a:t>以</a:t>
-                </a:r>
-                <a:r>
-                  <a:rPr lang="zh-CN" altLang="en-US" dirty="0" smtClean="0"/>
-                  <a:t>尽可能准确地预测实值输出标记</a:t>
+                  <a:t>以尽可能准确地预测实值输出标记</a:t>
                 </a:r>
                 <a:endParaRPr lang="en-US" altLang="zh-CN" dirty="0" smtClean="0"/>
               </a:p>
@@ -4996,7 +4984,7 @@
             </p:txBody>
           </p:sp>
         </mc:Choice>
-        <mc:Fallback>
+        <mc:Fallback xmlns="">
           <p:sp>
             <p:nvSpPr>
               <p:cNvPr id="3" name="内容占位符 2"/>
@@ -5030,8 +5018,8 @@
           </p:sp>
         </mc:Fallback>
       </mc:AlternateContent>
-      <mc:AlternateContent xmlns:mc="http://schemas.openxmlformats.org/markup-compatibility/2006">
-        <mc:Choice xmlns:a14="http://schemas.microsoft.com/office/drawing/2010/main" Requires="a14">
+      <mc:AlternateContent xmlns:mc="http://schemas.openxmlformats.org/markup-compatibility/2006" xmlns:a14="http://schemas.microsoft.com/office/drawing/2010/main">
+        <mc:Choice Requires="a14">
           <p:sp>
             <p:nvSpPr>
               <p:cNvPr id="4" name="文本框 3"/>
@@ -5054,6 +5042,7 @@
               </a:bodyPr>
               <a:lstStyle/>
               <a:p>
+                <a:pPr/>
                 <a14:m>
                   <m:oMathPara xmlns:m="http://schemas.openxmlformats.org/officeDocument/2006/math">
                     <m:oMathParaPr>
@@ -5178,7 +5167,7 @@
             </p:txBody>
           </p:sp>
         </mc:Choice>
-        <mc:Fallback>
+        <mc:Fallback xmlns="">
           <p:sp>
             <p:nvSpPr>
               <p:cNvPr id="4" name="文本框 3"/>
@@ -5217,8 +5206,8 @@
           </p:sp>
         </mc:Fallback>
       </mc:AlternateContent>
-      <mc:AlternateContent xmlns:mc="http://schemas.openxmlformats.org/markup-compatibility/2006">
-        <mc:Choice xmlns:a14="http://schemas.microsoft.com/office/drawing/2010/main" Requires="a14">
+      <mc:AlternateContent xmlns:mc="http://schemas.openxmlformats.org/markup-compatibility/2006" xmlns:a14="http://schemas.microsoft.com/office/drawing/2010/main">
+        <mc:Choice Requires="a14">
           <p:sp>
             <p:nvSpPr>
               <p:cNvPr id="5" name="文本框 4"/>
@@ -5241,6 +5230,7 @@
               </a:bodyPr>
               <a:lstStyle/>
               <a:p>
+                <a:pPr/>
                 <a14:m>
                   <m:oMathPara xmlns:m="http://schemas.openxmlformats.org/officeDocument/2006/math">
                     <m:oMathParaPr>
@@ -5291,7 +5281,7 @@
             </p:txBody>
           </p:sp>
         </mc:Choice>
-        <mc:Fallback>
+        <mc:Fallback xmlns="">
           <p:sp>
             <p:nvSpPr>
               <p:cNvPr id="5" name="文本框 4"/>
@@ -5875,8 +5865,8 @@
           </a:p>
         </p:txBody>
       </p:sp>
-      <mc:AlternateContent xmlns:mc="http://schemas.openxmlformats.org/markup-compatibility/2006">
-        <mc:Choice xmlns:a14="http://schemas.microsoft.com/office/drawing/2010/main" Requires="a14">
+      <mc:AlternateContent xmlns:mc="http://schemas.openxmlformats.org/markup-compatibility/2006" xmlns:a14="http://schemas.microsoft.com/office/drawing/2010/main">
+        <mc:Choice Requires="a14">
           <p:sp>
             <p:nvSpPr>
               <p:cNvPr id="3" name="内容占位符 2"/>
@@ -6047,7 +6037,7 @@
             </p:txBody>
           </p:sp>
         </mc:Choice>
-        <mc:Fallback>
+        <mc:Fallback xmlns="">
           <p:sp>
             <p:nvSpPr>
               <p:cNvPr id="3" name="内容占位符 2"/>
@@ -6081,8 +6071,8 @@
           </p:sp>
         </mc:Fallback>
       </mc:AlternateContent>
-      <mc:AlternateContent xmlns:mc="http://schemas.openxmlformats.org/markup-compatibility/2006">
-        <mc:Choice xmlns:a14="http://schemas.microsoft.com/office/drawing/2010/main" Requires="a14">
+      <mc:AlternateContent xmlns:mc="http://schemas.openxmlformats.org/markup-compatibility/2006" xmlns:a14="http://schemas.microsoft.com/office/drawing/2010/main">
+        <mc:Choice Requires="a14">
           <p:sp>
             <p:nvSpPr>
               <p:cNvPr id="5" name="文本框 4"/>
@@ -6105,6 +6095,7 @@
               </a:bodyPr>
               <a:lstStyle/>
               <a:p>
+                <a:pPr/>
                 <a14:m>
                   <m:oMathPara xmlns:m="http://schemas.openxmlformats.org/officeDocument/2006/math">
                     <m:oMathParaPr>
@@ -6353,7 +6344,7 @@
             </p:txBody>
           </p:sp>
         </mc:Choice>
-        <mc:Fallback>
+        <mc:Fallback xmlns="">
           <p:sp>
             <p:nvSpPr>
               <p:cNvPr id="5" name="文本框 4"/>
@@ -6699,8 +6690,8 @@
           </a:p>
         </p:txBody>
       </p:sp>
-      <mc:AlternateContent xmlns:mc="http://schemas.openxmlformats.org/markup-compatibility/2006">
-        <mc:Choice xmlns:a14="http://schemas.microsoft.com/office/drawing/2010/main" Requires="a14">
+      <mc:AlternateContent xmlns:mc="http://schemas.openxmlformats.org/markup-compatibility/2006" xmlns:a14="http://schemas.microsoft.com/office/drawing/2010/main">
+        <mc:Choice Requires="a14">
           <p:sp>
             <p:nvSpPr>
               <p:cNvPr id="3" name="内容占位符 2"/>
@@ -6825,7 +6816,7 @@
             </p:txBody>
           </p:sp>
         </mc:Choice>
-        <mc:Fallback>
+        <mc:Fallback xmlns="">
           <p:sp>
             <p:nvSpPr>
               <p:cNvPr id="3" name="内容占位符 2"/>
@@ -6963,8 +6954,8 @@
           </a:p>
         </p:txBody>
       </p:sp>
-      <mc:AlternateContent xmlns:mc="http://schemas.openxmlformats.org/markup-compatibility/2006">
-        <mc:Choice xmlns:a14="http://schemas.microsoft.com/office/drawing/2010/main" Requires="a14">
+      <mc:AlternateContent xmlns:mc="http://schemas.openxmlformats.org/markup-compatibility/2006" xmlns:a14="http://schemas.microsoft.com/office/drawing/2010/main">
+        <mc:Choice Requires="a14">
           <p:sp>
             <p:nvSpPr>
               <p:cNvPr id="3" name="内容占位符 2"/>
@@ -7300,7 +7291,7 @@
             </p:txBody>
           </p:sp>
         </mc:Choice>
-        <mc:Fallback>
+        <mc:Fallback xmlns="">
           <p:sp>
             <p:nvSpPr>
               <p:cNvPr id="3" name="内容占位符 2"/>
@@ -7334,8 +7325,8 @@
           </p:sp>
         </mc:Fallback>
       </mc:AlternateContent>
-      <mc:AlternateContent xmlns:mc="http://schemas.openxmlformats.org/markup-compatibility/2006">
-        <mc:Choice xmlns:a14="http://schemas.microsoft.com/office/drawing/2010/main" Requires="a14">
+      <mc:AlternateContent xmlns:mc="http://schemas.openxmlformats.org/markup-compatibility/2006" xmlns:a14="http://schemas.microsoft.com/office/drawing/2010/main">
+        <mc:Choice Requires="a14">
           <p:sp>
             <p:nvSpPr>
               <p:cNvPr id="4" name="矩形 3"/>
@@ -7509,7 +7500,7 @@
             </p:txBody>
           </p:sp>
         </mc:Choice>
-        <mc:Fallback>
+        <mc:Fallback xmlns="">
           <p:sp>
             <p:nvSpPr>
               <p:cNvPr id="4" name="矩形 3"/>
@@ -9264,10 +9255,10 @@
                         </m:e>
                         <m:sub>
                           <m:r>
-                            <a:rPr lang="en-US" altLang="zh-CN" i="1" dirty="0">
+                            <a:rPr lang="en-US" altLang="zh-CN" b="0" i="1" dirty="0" smtClean="0">
                               <a:latin typeface="Cambria Math" panose="02040503050406030204" pitchFamily="18" charset="0"/>
                             </a:rPr>
-                            <m:t>0</m:t>
+                            <m:t>1</m:t>
                           </m:r>
                         </m:sub>
                       </m:sSub>
@@ -9307,10 +9298,10 @@
                         </m:e>
                         <m:sub>
                           <m:r>
-                            <a:rPr lang="en-US" altLang="zh-CN" i="1" dirty="0">
+                            <a:rPr lang="en-US" altLang="zh-CN" b="0" i="1" dirty="0" smtClean="0">
                               <a:latin typeface="Cambria Math" panose="02040503050406030204" pitchFamily="18" charset="0"/>
                             </a:rPr>
-                            <m:t>1</m:t>
+                            <m:t>0</m:t>
                           </m:r>
                         </m:sub>
                       </m:sSub>
@@ -9475,8 +9466,8 @@
           </a:p>
         </p:txBody>
       </p:sp>
-      <mc:AlternateContent xmlns:mc="http://schemas.openxmlformats.org/markup-compatibility/2006">
-        <mc:Choice xmlns:a14="http://schemas.microsoft.com/office/drawing/2010/main" Requires="a14">
+      <mc:AlternateContent xmlns:mc="http://schemas.openxmlformats.org/markup-compatibility/2006" xmlns:a14="http://schemas.microsoft.com/office/drawing/2010/main">
+        <mc:Choice Requires="a14">
           <p:sp>
             <p:nvSpPr>
               <p:cNvPr id="6" name="矩形 5"/>
@@ -9498,6 +9489,7 @@
               </a:bodyPr>
               <a:lstStyle/>
               <a:p>
+                <a:pPr/>
                 <a14:m>
                   <m:oMathPara xmlns:m="http://schemas.openxmlformats.org/officeDocument/2006/math">
                     <m:oMathParaPr>
@@ -9543,7 +9535,7 @@
             </p:txBody>
           </p:sp>
         </mc:Choice>
-        <mc:Fallback>
+        <mc:Fallback xmlns="">
           <p:sp>
             <p:nvSpPr>
               <p:cNvPr id="6" name="矩形 5"/>
@@ -9616,7 +9608,7 @@
                             </p:stCondLst>
                             <p:childTnLst>
                               <p:par>
-                                <p:cTn id="5" presetID="10" presetClass="entr" presetSubtype="0" fill="hold" nodeType="clickEffect">
+                                <p:cTn id="5" presetID="10" presetClass="entr" presetSubtype="0" fill="hold" grpId="0" nodeType="clickEffect">
                                   <p:stCondLst>
                                     <p:cond delay="0"/>
                                   </p:stCondLst>
@@ -9624,372 +9616,6 @@
                                     <p:set>
                                       <p:cBhvr>
                                         <p:cTn id="6" dur="1" fill="hold">
-                                          <p:stCondLst>
-                                            <p:cond delay="0"/>
-                                          </p:stCondLst>
-                                        </p:cTn>
-                                        <p:tgtEl>
-                                          <p:spTgt spid="3">
-                                            <p:txEl>
-                                              <p:pRg st="1" end="1"/>
-                                            </p:txEl>
-                                          </p:spTgt>
-                                        </p:tgtEl>
-                                        <p:attrNameLst>
-                                          <p:attrName>style.visibility</p:attrName>
-                                        </p:attrNameLst>
-                                      </p:cBhvr>
-                                      <p:to>
-                                        <p:strVal val="visible"/>
-                                      </p:to>
-                                    </p:set>
-                                    <p:animEffect transition="in" filter="fade">
-                                      <p:cBhvr>
-                                        <p:cTn id="7" dur="500"/>
-                                        <p:tgtEl>
-                                          <p:spTgt spid="3">
-                                            <p:txEl>
-                                              <p:pRg st="1" end="1"/>
-                                            </p:txEl>
-                                          </p:spTgt>
-                                        </p:tgtEl>
-                                      </p:cBhvr>
-                                    </p:animEffect>
-                                  </p:childTnLst>
-                                </p:cTn>
-                              </p:par>
-                            </p:childTnLst>
-                          </p:cTn>
-                        </p:par>
-                      </p:childTnLst>
-                    </p:cTn>
-                  </p:par>
-                  <p:par>
-                    <p:cTn id="8" fill="hold">
-                      <p:stCondLst>
-                        <p:cond delay="indefinite"/>
-                      </p:stCondLst>
-                      <p:childTnLst>
-                        <p:par>
-                          <p:cTn id="9" fill="hold">
-                            <p:stCondLst>
-                              <p:cond delay="0"/>
-                            </p:stCondLst>
-                            <p:childTnLst>
-                              <p:par>
-                                <p:cTn id="10" presetID="10" presetClass="entr" presetSubtype="0" fill="hold" nodeType="clickEffect">
-                                  <p:stCondLst>
-                                    <p:cond delay="0"/>
-                                  </p:stCondLst>
-                                  <p:childTnLst>
-                                    <p:set>
-                                      <p:cBhvr>
-                                        <p:cTn id="11" dur="1" fill="hold">
-                                          <p:stCondLst>
-                                            <p:cond delay="0"/>
-                                          </p:stCondLst>
-                                        </p:cTn>
-                                        <p:tgtEl>
-                                          <p:spTgt spid="3">
-                                            <p:txEl>
-                                              <p:pRg st="2" end="2"/>
-                                            </p:txEl>
-                                          </p:spTgt>
-                                        </p:tgtEl>
-                                        <p:attrNameLst>
-                                          <p:attrName>style.visibility</p:attrName>
-                                        </p:attrNameLst>
-                                      </p:cBhvr>
-                                      <p:to>
-                                        <p:strVal val="visible"/>
-                                      </p:to>
-                                    </p:set>
-                                    <p:animEffect transition="in" filter="fade">
-                                      <p:cBhvr>
-                                        <p:cTn id="12" dur="500"/>
-                                        <p:tgtEl>
-                                          <p:spTgt spid="3">
-                                            <p:txEl>
-                                              <p:pRg st="2" end="2"/>
-                                            </p:txEl>
-                                          </p:spTgt>
-                                        </p:tgtEl>
-                                      </p:cBhvr>
-                                    </p:animEffect>
-                                  </p:childTnLst>
-                                </p:cTn>
-                              </p:par>
-                            </p:childTnLst>
-                          </p:cTn>
-                        </p:par>
-                      </p:childTnLst>
-                    </p:cTn>
-                  </p:par>
-                  <p:par>
-                    <p:cTn id="13" fill="hold">
-                      <p:stCondLst>
-                        <p:cond delay="indefinite"/>
-                      </p:stCondLst>
-                      <p:childTnLst>
-                        <p:par>
-                          <p:cTn id="14" fill="hold">
-                            <p:stCondLst>
-                              <p:cond delay="0"/>
-                            </p:stCondLst>
-                            <p:childTnLst>
-                              <p:par>
-                                <p:cTn id="15" presetID="10" presetClass="entr" presetSubtype="0" fill="hold" nodeType="clickEffect">
-                                  <p:stCondLst>
-                                    <p:cond delay="0"/>
-                                  </p:stCondLst>
-                                  <p:childTnLst>
-                                    <p:set>
-                                      <p:cBhvr>
-                                        <p:cTn id="16" dur="1" fill="hold">
-                                          <p:stCondLst>
-                                            <p:cond delay="0"/>
-                                          </p:stCondLst>
-                                        </p:cTn>
-                                        <p:tgtEl>
-                                          <p:spTgt spid="3">
-                                            <p:txEl>
-                                              <p:pRg st="3" end="3"/>
-                                            </p:txEl>
-                                          </p:spTgt>
-                                        </p:tgtEl>
-                                        <p:attrNameLst>
-                                          <p:attrName>style.visibility</p:attrName>
-                                        </p:attrNameLst>
-                                      </p:cBhvr>
-                                      <p:to>
-                                        <p:strVal val="visible"/>
-                                      </p:to>
-                                    </p:set>
-                                    <p:animEffect transition="in" filter="fade">
-                                      <p:cBhvr>
-                                        <p:cTn id="17" dur="500"/>
-                                        <p:tgtEl>
-                                          <p:spTgt spid="3">
-                                            <p:txEl>
-                                              <p:pRg st="3" end="3"/>
-                                            </p:txEl>
-                                          </p:spTgt>
-                                        </p:tgtEl>
-                                      </p:cBhvr>
-                                    </p:animEffect>
-                                  </p:childTnLst>
-                                </p:cTn>
-                              </p:par>
-                            </p:childTnLst>
-                          </p:cTn>
-                        </p:par>
-                      </p:childTnLst>
-                    </p:cTn>
-                  </p:par>
-                  <p:par>
-                    <p:cTn id="18" fill="hold">
-                      <p:stCondLst>
-                        <p:cond delay="indefinite"/>
-                      </p:stCondLst>
-                      <p:childTnLst>
-                        <p:par>
-                          <p:cTn id="19" fill="hold">
-                            <p:stCondLst>
-                              <p:cond delay="0"/>
-                            </p:stCondLst>
-                            <p:childTnLst>
-                              <p:par>
-                                <p:cTn id="20" presetID="10" presetClass="entr" presetSubtype="0" fill="hold" nodeType="clickEffect">
-                                  <p:stCondLst>
-                                    <p:cond delay="0"/>
-                                  </p:stCondLst>
-                                  <p:childTnLst>
-                                    <p:set>
-                                      <p:cBhvr>
-                                        <p:cTn id="21" dur="1" fill="hold">
-                                          <p:stCondLst>
-                                            <p:cond delay="0"/>
-                                          </p:stCondLst>
-                                        </p:cTn>
-                                        <p:tgtEl>
-                                          <p:spTgt spid="3">
-                                            <p:txEl>
-                                              <p:pRg st="4" end="4"/>
-                                            </p:txEl>
-                                          </p:spTgt>
-                                        </p:tgtEl>
-                                        <p:attrNameLst>
-                                          <p:attrName>style.visibility</p:attrName>
-                                        </p:attrNameLst>
-                                      </p:cBhvr>
-                                      <p:to>
-                                        <p:strVal val="visible"/>
-                                      </p:to>
-                                    </p:set>
-                                    <p:animEffect transition="in" filter="fade">
-                                      <p:cBhvr>
-                                        <p:cTn id="22" dur="500"/>
-                                        <p:tgtEl>
-                                          <p:spTgt spid="3">
-                                            <p:txEl>
-                                              <p:pRg st="4" end="4"/>
-                                            </p:txEl>
-                                          </p:spTgt>
-                                        </p:tgtEl>
-                                      </p:cBhvr>
-                                    </p:animEffect>
-                                  </p:childTnLst>
-                                </p:cTn>
-                              </p:par>
-                            </p:childTnLst>
-                          </p:cTn>
-                        </p:par>
-                      </p:childTnLst>
-                    </p:cTn>
-                  </p:par>
-                  <p:par>
-                    <p:cTn id="23" fill="hold">
-                      <p:stCondLst>
-                        <p:cond delay="indefinite"/>
-                      </p:stCondLst>
-                      <p:childTnLst>
-                        <p:par>
-                          <p:cTn id="24" fill="hold">
-                            <p:stCondLst>
-                              <p:cond delay="0"/>
-                            </p:stCondLst>
-                            <p:childTnLst>
-                              <p:par>
-                                <p:cTn id="25" presetID="10" presetClass="entr" presetSubtype="0" fill="hold" nodeType="clickEffect">
-                                  <p:stCondLst>
-                                    <p:cond delay="0"/>
-                                  </p:stCondLst>
-                                  <p:childTnLst>
-                                    <p:set>
-                                      <p:cBhvr>
-                                        <p:cTn id="26" dur="1" fill="hold">
-                                          <p:stCondLst>
-                                            <p:cond delay="0"/>
-                                          </p:stCondLst>
-                                        </p:cTn>
-                                        <p:tgtEl>
-                                          <p:spTgt spid="3">
-                                            <p:txEl>
-                                              <p:pRg st="5" end="5"/>
-                                            </p:txEl>
-                                          </p:spTgt>
-                                        </p:tgtEl>
-                                        <p:attrNameLst>
-                                          <p:attrName>style.visibility</p:attrName>
-                                        </p:attrNameLst>
-                                      </p:cBhvr>
-                                      <p:to>
-                                        <p:strVal val="visible"/>
-                                      </p:to>
-                                    </p:set>
-                                    <p:animEffect transition="in" filter="fade">
-                                      <p:cBhvr>
-                                        <p:cTn id="27" dur="500"/>
-                                        <p:tgtEl>
-                                          <p:spTgt spid="3">
-                                            <p:txEl>
-                                              <p:pRg st="5" end="5"/>
-                                            </p:txEl>
-                                          </p:spTgt>
-                                        </p:tgtEl>
-                                      </p:cBhvr>
-                                    </p:animEffect>
-                                  </p:childTnLst>
-                                </p:cTn>
-                              </p:par>
-                            </p:childTnLst>
-                          </p:cTn>
-                        </p:par>
-                      </p:childTnLst>
-                    </p:cTn>
-                  </p:par>
-                  <p:par>
-                    <p:cTn id="28" fill="hold">
-                      <p:stCondLst>
-                        <p:cond delay="indefinite"/>
-                      </p:stCondLst>
-                      <p:childTnLst>
-                        <p:par>
-                          <p:cTn id="29" fill="hold">
-                            <p:stCondLst>
-                              <p:cond delay="0"/>
-                            </p:stCondLst>
-                            <p:childTnLst>
-                              <p:par>
-                                <p:cTn id="30" presetID="10" presetClass="entr" presetSubtype="0" fill="hold" nodeType="clickEffect">
-                                  <p:stCondLst>
-                                    <p:cond delay="0"/>
-                                  </p:stCondLst>
-                                  <p:childTnLst>
-                                    <p:set>
-                                      <p:cBhvr>
-                                        <p:cTn id="31" dur="1" fill="hold">
-                                          <p:stCondLst>
-                                            <p:cond delay="0"/>
-                                          </p:stCondLst>
-                                        </p:cTn>
-                                        <p:tgtEl>
-                                          <p:spTgt spid="3">
-                                            <p:txEl>
-                                              <p:pRg st="6" end="6"/>
-                                            </p:txEl>
-                                          </p:spTgt>
-                                        </p:tgtEl>
-                                        <p:attrNameLst>
-                                          <p:attrName>style.visibility</p:attrName>
-                                        </p:attrNameLst>
-                                      </p:cBhvr>
-                                      <p:to>
-                                        <p:strVal val="visible"/>
-                                      </p:to>
-                                    </p:set>
-                                    <p:animEffect transition="in" filter="fade">
-                                      <p:cBhvr>
-                                        <p:cTn id="32" dur="500"/>
-                                        <p:tgtEl>
-                                          <p:spTgt spid="3">
-                                            <p:txEl>
-                                              <p:pRg st="6" end="6"/>
-                                            </p:txEl>
-                                          </p:spTgt>
-                                        </p:tgtEl>
-                                      </p:cBhvr>
-                                    </p:animEffect>
-                                  </p:childTnLst>
-                                </p:cTn>
-                              </p:par>
-                            </p:childTnLst>
-                          </p:cTn>
-                        </p:par>
-                      </p:childTnLst>
-                    </p:cTn>
-                  </p:par>
-                  <p:par>
-                    <p:cTn id="33" fill="hold">
-                      <p:stCondLst>
-                        <p:cond delay="indefinite"/>
-                      </p:stCondLst>
-                      <p:childTnLst>
-                        <p:par>
-                          <p:cTn id="34" fill="hold">
-                            <p:stCondLst>
-                              <p:cond delay="0"/>
-                            </p:stCondLst>
-                            <p:childTnLst>
-                              <p:par>
-                                <p:cTn id="35" presetID="10" presetClass="entr" presetSubtype="0" fill="hold" grpId="0" nodeType="clickEffect">
-                                  <p:stCondLst>
-                                    <p:cond delay="0"/>
-                                  </p:stCondLst>
-                                  <p:childTnLst>
-                                    <p:set>
-                                      <p:cBhvr>
-                                        <p:cTn id="36" dur="1" fill="hold">
                                           <p:stCondLst>
                                             <p:cond delay="0"/>
                                           </p:stCondLst>
@@ -10007,7 +9633,7 @@
                                     </p:set>
                                     <p:animEffect transition="in" filter="fade">
                                       <p:cBhvr>
-                                        <p:cTn id="37" dur="500"/>
+                                        <p:cTn id="7" dur="500"/>
                                         <p:tgtEl>
                                           <p:spTgt spid="6"/>
                                         </p:tgtEl>
@@ -10496,8 +10122,8 @@
           </a:p>
         </p:txBody>
       </p:sp>
-      <mc:AlternateContent xmlns:mc="http://schemas.openxmlformats.org/markup-compatibility/2006">
-        <mc:Choice xmlns:a14="http://schemas.microsoft.com/office/drawing/2010/main" Requires="a14">
+      <mc:AlternateContent xmlns:mc="http://schemas.openxmlformats.org/markup-compatibility/2006" xmlns:a14="http://schemas.microsoft.com/office/drawing/2010/main">
+        <mc:Choice Requires="a14">
           <p:sp>
             <p:nvSpPr>
               <p:cNvPr id="6" name="矩形 5"/>
@@ -10519,6 +10145,7 @@
               </a:bodyPr>
               <a:lstStyle/>
               <a:p>
+                <a:pPr/>
                 <a14:m>
                   <m:oMathPara xmlns:m="http://schemas.openxmlformats.org/officeDocument/2006/math">
                     <m:oMathParaPr>
@@ -10607,7 +10234,7 @@
             </p:txBody>
           </p:sp>
         </mc:Choice>
-        <mc:Fallback>
+        <mc:Fallback xmlns="">
           <p:sp>
             <p:nvSpPr>
               <p:cNvPr id="6" name="矩形 5"/>
@@ -10646,8 +10273,8 @@
           </p:sp>
         </mc:Fallback>
       </mc:AlternateContent>
-      <mc:AlternateContent xmlns:mc="http://schemas.openxmlformats.org/markup-compatibility/2006">
-        <mc:Choice xmlns:a14="http://schemas.microsoft.com/office/drawing/2010/main" Requires="a14">
+      <mc:AlternateContent xmlns:mc="http://schemas.openxmlformats.org/markup-compatibility/2006" xmlns:a14="http://schemas.microsoft.com/office/drawing/2010/main">
+        <mc:Choice Requires="a14">
           <p:sp>
             <p:nvSpPr>
               <p:cNvPr id="10" name="文本框 9"/>
@@ -10683,6 +10310,7 @@
               </a:bodyPr>
               <a:lstStyle/>
               <a:p>
+                <a:pPr/>
                 <a14:m>
                   <m:oMathPara xmlns:m="http://schemas.openxmlformats.org/officeDocument/2006/math">
                     <m:oMathParaPr>
@@ -10954,7 +10582,7 @@
             </p:txBody>
           </p:sp>
         </mc:Choice>
-        <mc:Fallback>
+        <mc:Fallback xmlns="">
           <p:sp>
             <p:nvSpPr>
               <p:cNvPr id="10" name="文本框 9"/>
@@ -15729,6 +15357,13 @@
   <p:transition>
     <p:fade/>
   </p:transition>
+  <p:timing>
+    <p:tnLst>
+      <p:par>
+        <p:cTn id="1" dur="indefinite" restart="never" nodeType="tmRoot"/>
+      </p:par>
+    </p:tnLst>
+  </p:timing>
 </p:sld>
 </file>
 
@@ -19099,8 +18734,8 @@
           </a:graphicData>
         </a:graphic>
       </p:graphicFrame>
-      <mc:AlternateContent xmlns:mc="http://schemas.openxmlformats.org/markup-compatibility/2006">
-        <mc:Choice xmlns:a14="http://schemas.microsoft.com/office/drawing/2010/main" Requires="a14">
+      <mc:AlternateContent xmlns:mc="http://schemas.openxmlformats.org/markup-compatibility/2006" xmlns:a14="http://schemas.microsoft.com/office/drawing/2010/main">
+        <mc:Choice Requires="a14">
           <p:sp>
             <p:nvSpPr>
               <p:cNvPr id="6" name="矩形 5"/>
@@ -19498,7 +19133,7 @@
             </p:txBody>
           </p:sp>
         </mc:Choice>
-        <mc:Fallback>
+        <mc:Fallback xmlns="">
           <p:sp>
             <p:nvSpPr>
               <p:cNvPr id="6" name="矩形 5"/>
@@ -19553,9 +19188,88 @@
   <p:timing>
     <p:tnLst>
       <p:par>
-        <p:cTn id="1" dur="indefinite" restart="never" nodeType="tmRoot"/>
+        <p:cTn id="1" dur="indefinite" restart="never" nodeType="tmRoot">
+          <p:childTnLst>
+            <p:seq concurrent="1" nextAc="seek">
+              <p:cTn id="2" dur="indefinite" nodeType="mainSeq">
+                <p:childTnLst>
+                  <p:par>
+                    <p:cTn id="3" fill="hold">
+                      <p:stCondLst>
+                        <p:cond delay="indefinite"/>
+                      </p:stCondLst>
+                      <p:childTnLst>
+                        <p:par>
+                          <p:cTn id="4" fill="hold">
+                            <p:stCondLst>
+                              <p:cond delay="0"/>
+                            </p:stCondLst>
+                            <p:childTnLst>
+                              <p:par>
+                                <p:cTn id="5" presetID="10" presetClass="entr" presetSubtype="0" fill="hold" grpId="0" nodeType="clickEffect">
+                                  <p:stCondLst>
+                                    <p:cond delay="0"/>
+                                  </p:stCondLst>
+                                  <p:childTnLst>
+                                    <p:set>
+                                      <p:cBhvr>
+                                        <p:cTn id="6" dur="1" fill="hold">
+                                          <p:stCondLst>
+                                            <p:cond delay="0"/>
+                                          </p:stCondLst>
+                                        </p:cTn>
+                                        <p:tgtEl>
+                                          <p:spTgt spid="6"/>
+                                        </p:tgtEl>
+                                        <p:attrNameLst>
+                                          <p:attrName>style.visibility</p:attrName>
+                                        </p:attrNameLst>
+                                      </p:cBhvr>
+                                      <p:to>
+                                        <p:strVal val="visible"/>
+                                      </p:to>
+                                    </p:set>
+                                    <p:animEffect transition="in" filter="fade">
+                                      <p:cBhvr>
+                                        <p:cTn id="7" dur="500"/>
+                                        <p:tgtEl>
+                                          <p:spTgt spid="6"/>
+                                        </p:tgtEl>
+                                      </p:cBhvr>
+                                    </p:animEffect>
+                                  </p:childTnLst>
+                                </p:cTn>
+                              </p:par>
+                            </p:childTnLst>
+                          </p:cTn>
+                        </p:par>
+                      </p:childTnLst>
+                    </p:cTn>
+                  </p:par>
+                </p:childTnLst>
+              </p:cTn>
+              <p:prevCondLst>
+                <p:cond evt="onPrev" delay="0">
+                  <p:tgtEl>
+                    <p:sldTgt/>
+                  </p:tgtEl>
+                </p:cond>
+              </p:prevCondLst>
+              <p:nextCondLst>
+                <p:cond evt="onNext" delay="0">
+                  <p:tgtEl>
+                    <p:sldTgt/>
+                  </p:tgtEl>
+                </p:cond>
+              </p:nextCondLst>
+            </p:seq>
+          </p:childTnLst>
+        </p:cTn>
       </p:par>
     </p:tnLst>
+    <p:bldLst>
+      <p:bldP spid="6" grpId="0"/>
+    </p:bldLst>
   </p:timing>
 </p:sld>
 </file>
@@ -19707,8 +19421,8 @@
           </a:prstGeom>
         </p:spPr>
       </p:pic>
-      <mc:AlternateContent xmlns:mc="http://schemas.openxmlformats.org/markup-compatibility/2006">
-        <mc:Choice xmlns:a14="http://schemas.microsoft.com/office/drawing/2010/main" Requires="a14">
+      <mc:AlternateContent xmlns:mc="http://schemas.openxmlformats.org/markup-compatibility/2006" xmlns:a14="http://schemas.microsoft.com/office/drawing/2010/main">
+        <mc:Choice Requires="a14">
           <p:sp>
             <p:nvSpPr>
               <p:cNvPr id="7" name="矩形 6"/>
@@ -20375,7 +20089,7 @@
             </p:txBody>
           </p:sp>
         </mc:Choice>
-        <mc:Fallback>
+        <mc:Fallback xmlns="">
           <p:sp>
             <p:nvSpPr>
               <p:cNvPr id="7" name="矩形 6"/>
@@ -20414,8 +20128,8 @@
           </p:sp>
         </mc:Fallback>
       </mc:AlternateContent>
-      <mc:AlternateContent xmlns:mc="http://schemas.openxmlformats.org/markup-compatibility/2006">
-        <mc:Choice xmlns:a14="http://schemas.microsoft.com/office/drawing/2010/main" Requires="a14">
+      <mc:AlternateContent xmlns:mc="http://schemas.openxmlformats.org/markup-compatibility/2006" xmlns:a14="http://schemas.microsoft.com/office/drawing/2010/main">
+        <mc:Choice Requires="a14">
           <p:sp>
             <p:nvSpPr>
               <p:cNvPr id="8" name="矩形 7"/>
@@ -20845,7 +20559,7 @@
             </p:txBody>
           </p:sp>
         </mc:Choice>
-        <mc:Fallback>
+        <mc:Fallback xmlns="">
           <p:sp>
             <p:nvSpPr>
               <p:cNvPr id="8" name="矩形 7"/>
@@ -20884,8 +20598,8 @@
           </p:sp>
         </mc:Fallback>
       </mc:AlternateContent>
-      <mc:AlternateContent xmlns:mc="http://schemas.openxmlformats.org/markup-compatibility/2006">
-        <mc:Choice xmlns:a14="http://schemas.microsoft.com/office/drawing/2010/main" Requires="a14">
+      <mc:AlternateContent xmlns:mc="http://schemas.openxmlformats.org/markup-compatibility/2006" xmlns:a14="http://schemas.microsoft.com/office/drawing/2010/main">
+        <mc:Choice Requires="a14">
           <p:sp>
             <p:nvSpPr>
               <p:cNvPr id="9" name="矩形 8"/>
@@ -21174,7 +20888,7 @@
                               </a:effectLst>
                               <a:latin typeface="Cambria Math" panose="02040503050406030204" pitchFamily="18" charset="0"/>
                             </a:rPr>
-                            <m:t>*0.915</m:t>
+                            <m:t>∗0.915</m:t>
                           </m:r>
                           <m:r>
                             <m:rPr>
@@ -21288,7 +21002,7 @@
             </p:txBody>
           </p:sp>
         </mc:Choice>
-        <mc:Fallback>
+        <mc:Fallback xmlns="">
           <p:sp>
             <p:nvSpPr>
               <p:cNvPr id="9" name="矩形 8"/>
@@ -22204,6 +21918,253 @@
   <p:transition>
     <p:fade/>
   </p:transition>
+  <p:timing>
+    <p:tnLst>
+      <p:par>
+        <p:cTn id="1" dur="indefinite" restart="never" nodeType="tmRoot">
+          <p:childTnLst>
+            <p:seq concurrent="1" nextAc="seek">
+              <p:cTn id="2" dur="indefinite" nodeType="mainSeq">
+                <p:childTnLst>
+                  <p:par>
+                    <p:cTn id="3" fill="hold">
+                      <p:stCondLst>
+                        <p:cond delay="indefinite"/>
+                      </p:stCondLst>
+                      <p:childTnLst>
+                        <p:par>
+                          <p:cTn id="4" fill="hold">
+                            <p:stCondLst>
+                              <p:cond delay="0"/>
+                            </p:stCondLst>
+                            <p:childTnLst>
+                              <p:par>
+                                <p:cTn id="5" presetID="10" presetClass="entr" presetSubtype="0" fill="hold" nodeType="clickEffect">
+                                  <p:stCondLst>
+                                    <p:cond delay="0"/>
+                                  </p:stCondLst>
+                                  <p:childTnLst>
+                                    <p:set>
+                                      <p:cBhvr>
+                                        <p:cTn id="6" dur="1" fill="hold">
+                                          <p:stCondLst>
+                                            <p:cond delay="0"/>
+                                          </p:stCondLst>
+                                        </p:cTn>
+                                        <p:tgtEl>
+                                          <p:spTgt spid="5"/>
+                                        </p:tgtEl>
+                                        <p:attrNameLst>
+                                          <p:attrName>style.visibility</p:attrName>
+                                        </p:attrNameLst>
+                                      </p:cBhvr>
+                                      <p:to>
+                                        <p:strVal val="visible"/>
+                                      </p:to>
+                                    </p:set>
+                                    <p:animEffect transition="in" filter="fade">
+                                      <p:cBhvr>
+                                        <p:cTn id="7" dur="500"/>
+                                        <p:tgtEl>
+                                          <p:spTgt spid="5"/>
+                                        </p:tgtEl>
+                                      </p:cBhvr>
+                                    </p:animEffect>
+                                  </p:childTnLst>
+                                </p:cTn>
+                              </p:par>
+                            </p:childTnLst>
+                          </p:cTn>
+                        </p:par>
+                      </p:childTnLst>
+                    </p:cTn>
+                  </p:par>
+                  <p:par>
+                    <p:cTn id="8" fill="hold">
+                      <p:stCondLst>
+                        <p:cond delay="indefinite"/>
+                      </p:stCondLst>
+                      <p:childTnLst>
+                        <p:par>
+                          <p:cTn id="9" fill="hold">
+                            <p:stCondLst>
+                              <p:cond delay="0"/>
+                            </p:stCondLst>
+                            <p:childTnLst>
+                              <p:par>
+                                <p:cTn id="10" presetID="10" presetClass="entr" presetSubtype="0" fill="hold" grpId="0" nodeType="clickEffect">
+                                  <p:stCondLst>
+                                    <p:cond delay="0"/>
+                                  </p:stCondLst>
+                                  <p:childTnLst>
+                                    <p:set>
+                                      <p:cBhvr>
+                                        <p:cTn id="11" dur="1" fill="hold">
+                                          <p:stCondLst>
+                                            <p:cond delay="0"/>
+                                          </p:stCondLst>
+                                        </p:cTn>
+                                        <p:tgtEl>
+                                          <p:spTgt spid="7"/>
+                                        </p:tgtEl>
+                                        <p:attrNameLst>
+                                          <p:attrName>style.visibility</p:attrName>
+                                        </p:attrNameLst>
+                                      </p:cBhvr>
+                                      <p:to>
+                                        <p:strVal val="visible"/>
+                                      </p:to>
+                                    </p:set>
+                                    <p:animEffect transition="in" filter="fade">
+                                      <p:cBhvr>
+                                        <p:cTn id="12" dur="500"/>
+                                        <p:tgtEl>
+                                          <p:spTgt spid="7"/>
+                                        </p:tgtEl>
+                                      </p:cBhvr>
+                                    </p:animEffect>
+                                  </p:childTnLst>
+                                </p:cTn>
+                              </p:par>
+                            </p:childTnLst>
+                          </p:cTn>
+                        </p:par>
+                      </p:childTnLst>
+                    </p:cTn>
+                  </p:par>
+                  <p:par>
+                    <p:cTn id="13" fill="hold">
+                      <p:stCondLst>
+                        <p:cond delay="indefinite"/>
+                      </p:stCondLst>
+                      <p:childTnLst>
+                        <p:par>
+                          <p:cTn id="14" fill="hold">
+                            <p:stCondLst>
+                              <p:cond delay="0"/>
+                            </p:stCondLst>
+                            <p:childTnLst>
+                              <p:par>
+                                <p:cTn id="15" presetID="10" presetClass="entr" presetSubtype="0" fill="hold" grpId="0" nodeType="clickEffect">
+                                  <p:stCondLst>
+                                    <p:cond delay="0"/>
+                                  </p:stCondLst>
+                                  <p:childTnLst>
+                                    <p:set>
+                                      <p:cBhvr>
+                                        <p:cTn id="16" dur="1" fill="hold">
+                                          <p:stCondLst>
+                                            <p:cond delay="0"/>
+                                          </p:stCondLst>
+                                        </p:cTn>
+                                        <p:tgtEl>
+                                          <p:spTgt spid="8"/>
+                                        </p:tgtEl>
+                                        <p:attrNameLst>
+                                          <p:attrName>style.visibility</p:attrName>
+                                        </p:attrNameLst>
+                                      </p:cBhvr>
+                                      <p:to>
+                                        <p:strVal val="visible"/>
+                                      </p:to>
+                                    </p:set>
+                                    <p:animEffect transition="in" filter="fade">
+                                      <p:cBhvr>
+                                        <p:cTn id="17" dur="500"/>
+                                        <p:tgtEl>
+                                          <p:spTgt spid="8"/>
+                                        </p:tgtEl>
+                                      </p:cBhvr>
+                                    </p:animEffect>
+                                  </p:childTnLst>
+                                </p:cTn>
+                              </p:par>
+                            </p:childTnLst>
+                          </p:cTn>
+                        </p:par>
+                      </p:childTnLst>
+                    </p:cTn>
+                  </p:par>
+                  <p:par>
+                    <p:cTn id="18" fill="hold">
+                      <p:stCondLst>
+                        <p:cond delay="indefinite"/>
+                      </p:stCondLst>
+                      <p:childTnLst>
+                        <p:par>
+                          <p:cTn id="19" fill="hold">
+                            <p:stCondLst>
+                              <p:cond delay="0"/>
+                            </p:stCondLst>
+                            <p:childTnLst>
+                              <p:par>
+                                <p:cTn id="20" presetID="10" presetClass="entr" presetSubtype="0" fill="hold" grpId="0" nodeType="clickEffect">
+                                  <p:stCondLst>
+                                    <p:cond delay="0"/>
+                                  </p:stCondLst>
+                                  <p:childTnLst>
+                                    <p:set>
+                                      <p:cBhvr>
+                                        <p:cTn id="21" dur="1" fill="hold">
+                                          <p:stCondLst>
+                                            <p:cond delay="0"/>
+                                          </p:stCondLst>
+                                        </p:cTn>
+                                        <p:tgtEl>
+                                          <p:spTgt spid="9"/>
+                                        </p:tgtEl>
+                                        <p:attrNameLst>
+                                          <p:attrName>style.visibility</p:attrName>
+                                        </p:attrNameLst>
+                                      </p:cBhvr>
+                                      <p:to>
+                                        <p:strVal val="visible"/>
+                                      </p:to>
+                                    </p:set>
+                                    <p:animEffect transition="in" filter="fade">
+                                      <p:cBhvr>
+                                        <p:cTn id="22" dur="500"/>
+                                        <p:tgtEl>
+                                          <p:spTgt spid="9"/>
+                                        </p:tgtEl>
+                                      </p:cBhvr>
+                                    </p:animEffect>
+                                  </p:childTnLst>
+                                </p:cTn>
+                              </p:par>
+                            </p:childTnLst>
+                          </p:cTn>
+                        </p:par>
+                      </p:childTnLst>
+                    </p:cTn>
+                  </p:par>
+                </p:childTnLst>
+              </p:cTn>
+              <p:prevCondLst>
+                <p:cond evt="onPrev" delay="0">
+                  <p:tgtEl>
+                    <p:sldTgt/>
+                  </p:tgtEl>
+                </p:cond>
+              </p:prevCondLst>
+              <p:nextCondLst>
+                <p:cond evt="onNext" delay="0">
+                  <p:tgtEl>
+                    <p:sldTgt/>
+                  </p:tgtEl>
+                </p:cond>
+              </p:nextCondLst>
+            </p:seq>
+          </p:childTnLst>
+        </p:cTn>
+      </p:par>
+    </p:tnLst>
+    <p:bldLst>
+      <p:bldP spid="7" grpId="0"/>
+      <p:bldP spid="8" grpId="0"/>
+      <p:bldP spid="9" grpId="0"/>
+    </p:bldLst>
+  </p:timing>
 </p:sld>
 </file>
 
@@ -23276,7 +23237,91 @@
   <p:timing>
     <p:tnLst>
       <p:par>
-        <p:cTn id="1" dur="indefinite" restart="never" nodeType="tmRoot"/>
+        <p:cTn id="1" dur="indefinite" restart="never" nodeType="tmRoot">
+          <p:childTnLst>
+            <p:seq concurrent="1" nextAc="seek">
+              <p:cTn id="2" dur="indefinite" nodeType="mainSeq">
+                <p:childTnLst>
+                  <p:par>
+                    <p:cTn id="3" fill="hold">
+                      <p:stCondLst>
+                        <p:cond delay="indefinite"/>
+                      </p:stCondLst>
+                      <p:childTnLst>
+                        <p:par>
+                          <p:cTn id="4" fill="hold">
+                            <p:stCondLst>
+                              <p:cond delay="0"/>
+                            </p:stCondLst>
+                            <p:childTnLst>
+                              <p:par>
+                                <p:cTn id="5" presetID="10" presetClass="entr" presetSubtype="0" fill="hold" nodeType="clickEffect">
+                                  <p:stCondLst>
+                                    <p:cond delay="0"/>
+                                  </p:stCondLst>
+                                  <p:childTnLst>
+                                    <p:set>
+                                      <p:cBhvr>
+                                        <p:cTn id="6" dur="1" fill="hold">
+                                          <p:stCondLst>
+                                            <p:cond delay="0"/>
+                                          </p:stCondLst>
+                                        </p:cTn>
+                                        <p:tgtEl>
+                                          <p:spTgt spid="3">
+                                            <p:txEl>
+                                              <p:pRg st="5" end="5"/>
+                                            </p:txEl>
+                                          </p:spTgt>
+                                        </p:tgtEl>
+                                        <p:attrNameLst>
+                                          <p:attrName>style.visibility</p:attrName>
+                                        </p:attrNameLst>
+                                      </p:cBhvr>
+                                      <p:to>
+                                        <p:strVal val="visible"/>
+                                      </p:to>
+                                    </p:set>
+                                    <p:animEffect transition="in" filter="fade">
+                                      <p:cBhvr>
+                                        <p:cTn id="7" dur="500"/>
+                                        <p:tgtEl>
+                                          <p:spTgt spid="3">
+                                            <p:txEl>
+                                              <p:pRg st="5" end="5"/>
+                                            </p:txEl>
+                                          </p:spTgt>
+                                        </p:tgtEl>
+                                      </p:cBhvr>
+                                    </p:animEffect>
+                                  </p:childTnLst>
+                                </p:cTn>
+                              </p:par>
+                            </p:childTnLst>
+                          </p:cTn>
+                        </p:par>
+                      </p:childTnLst>
+                    </p:cTn>
+                  </p:par>
+                </p:childTnLst>
+              </p:cTn>
+              <p:prevCondLst>
+                <p:cond evt="onPrev" delay="0">
+                  <p:tgtEl>
+                    <p:sldTgt/>
+                  </p:tgtEl>
+                </p:cond>
+              </p:prevCondLst>
+              <p:nextCondLst>
+                <p:cond evt="onNext" delay="0">
+                  <p:tgtEl>
+                    <p:sldTgt/>
+                  </p:tgtEl>
+                </p:cond>
+              </p:nextCondLst>
+            </p:seq>
+          </p:childTnLst>
+        </p:cTn>
       </p:par>
     </p:tnLst>
   </p:timing>
